--- a/BDM Project.pptx
+++ b/BDM Project.pptx
@@ -9,15 +9,14 @@
     <p:sldId id="257" r:id="rId3"/>
     <p:sldId id="258" r:id="rId4"/>
     <p:sldId id="260" r:id="rId5"/>
-    <p:sldId id="261" r:id="rId6"/>
-    <p:sldId id="273" r:id="rId7"/>
-    <p:sldId id="274" r:id="rId8"/>
-    <p:sldId id="275" r:id="rId9"/>
-    <p:sldId id="276" r:id="rId10"/>
-    <p:sldId id="277" r:id="rId11"/>
-    <p:sldId id="279" r:id="rId12"/>
-    <p:sldId id="278" r:id="rId13"/>
-    <p:sldId id="271" r:id="rId14"/>
+    <p:sldId id="273" r:id="rId6"/>
+    <p:sldId id="274" r:id="rId7"/>
+    <p:sldId id="275" r:id="rId8"/>
+    <p:sldId id="276" r:id="rId9"/>
+    <p:sldId id="277" r:id="rId10"/>
+    <p:sldId id="279" r:id="rId11"/>
+    <p:sldId id="278" r:id="rId12"/>
+    <p:sldId id="271" r:id="rId13"/>
   </p:sldIdLst>
   <p:sldSz cx="12192000" cy="6858000"/>
   <p:notesSz cx="6858000" cy="9144000"/>
@@ -4631,402 +4630,6 @@
         <p:cNvPr id="1" name="">
           <a:extLst>
             <a:ext uri="{FF2B5EF4-FFF2-40B4-BE49-F238E27FC236}">
-              <a16:creationId xmlns:a16="http://schemas.microsoft.com/office/drawing/2014/main" id="{F3F08CE2-C663-6F8F-2C6F-8791E2BB838B}"/>
-            </a:ext>
-          </a:extLst>
-        </p:cNvPr>
-        <p:cNvGrpSpPr/>
-        <p:nvPr/>
-      </p:nvGrpSpPr>
-      <p:grpSpPr>
-        <a:xfrm>
-          <a:off x="0" y="0"/>
-          <a:ext cx="0" cy="0"/>
-          <a:chOff x="0" y="0"/>
-          <a:chExt cx="0" cy="0"/>
-        </a:xfrm>
-      </p:grpSpPr>
-      <p:sp>
-        <p:nvSpPr>
-          <p:cNvPr id="4" name="Google Shape;277;p13">
-            <a:extLst>
-              <a:ext uri="{FF2B5EF4-FFF2-40B4-BE49-F238E27FC236}">
-                <a16:creationId xmlns:a16="http://schemas.microsoft.com/office/drawing/2014/main" id="{6D079CAE-38A4-D1A1-9D48-9C401F8E41BD}"/>
-              </a:ext>
-            </a:extLst>
-          </p:cNvPr>
-          <p:cNvSpPr txBox="1">
-            <a:spLocks noGrp="1"/>
-          </p:cNvSpPr>
-          <p:nvPr/>
-        </p:nvSpPr>
-        <p:spPr>
-          <a:xfrm>
-            <a:off x="113122" y="0"/>
-            <a:ext cx="11003516" cy="695227"/>
-          </a:xfrm>
-          <a:prstGeom prst="rect">
-            <a:avLst/>
-          </a:prstGeom>
-          <a:noFill/>
-          <a:ln>
-            <a:noFill/>
-          </a:ln>
-        </p:spPr>
-        <p:txBody>
-          <a:bodyPr spcFirstLastPara="1" wrap="square" lIns="91425" tIns="91425" rIns="91425" bIns="91425" anchor="ctr" anchorCtr="0">
-            <a:noAutofit/>
-          </a:bodyPr>
-          <a:lstStyle>
-            <a:defPPr marR="0" lvl="0" algn="l" rtl="0">
-              <a:lnSpc>
-                <a:spcPct val="100000"/>
-              </a:lnSpc>
-              <a:spcBef>
-                <a:spcPts val="0"/>
-              </a:spcBef>
-              <a:spcAft>
-                <a:spcPts val="0"/>
-              </a:spcAft>
-            </a:defPPr>
-            <a:lvl1pPr marR="0" lvl="0" algn="l" rtl="0">
-              <a:lnSpc>
-                <a:spcPct val="100000"/>
-              </a:lnSpc>
-              <a:spcBef>
-                <a:spcPts val="0"/>
-              </a:spcBef>
-              <a:spcAft>
-                <a:spcPts val="0"/>
-              </a:spcAft>
-              <a:buClr>
-                <a:schemeClr val="lt1"/>
-              </a:buClr>
-              <a:buSzPts val="3600"/>
-              <a:buFont typeface="Maven Pro"/>
-              <a:buNone/>
-              <a:defRPr sz="3600" b="1" i="0" u="none" strike="noStrike" cap="none">
-                <a:solidFill>
-                  <a:schemeClr val="lt1"/>
-                </a:solidFill>
-                <a:latin typeface="Maven Pro"/>
-                <a:ea typeface="Maven Pro"/>
-                <a:cs typeface="Maven Pro"/>
-                <a:sym typeface="Maven Pro"/>
-              </a:defRPr>
-            </a:lvl1pPr>
-            <a:lvl2pPr marR="0" lvl="1" algn="l" rtl="0">
-              <a:lnSpc>
-                <a:spcPct val="100000"/>
-              </a:lnSpc>
-              <a:spcBef>
-                <a:spcPts val="0"/>
-              </a:spcBef>
-              <a:spcAft>
-                <a:spcPts val="0"/>
-              </a:spcAft>
-              <a:buClr>
-                <a:schemeClr val="lt1"/>
-              </a:buClr>
-              <a:buSzPts val="3600"/>
-              <a:buFont typeface="Maven Pro"/>
-              <a:buNone/>
-              <a:defRPr sz="3600" b="1" i="0" u="none" strike="noStrike" cap="none">
-                <a:solidFill>
-                  <a:schemeClr val="lt1"/>
-                </a:solidFill>
-                <a:latin typeface="Maven Pro"/>
-                <a:ea typeface="Maven Pro"/>
-                <a:cs typeface="Maven Pro"/>
-                <a:sym typeface="Maven Pro"/>
-              </a:defRPr>
-            </a:lvl2pPr>
-            <a:lvl3pPr marR="0" lvl="2" algn="l" rtl="0">
-              <a:lnSpc>
-                <a:spcPct val="100000"/>
-              </a:lnSpc>
-              <a:spcBef>
-                <a:spcPts val="0"/>
-              </a:spcBef>
-              <a:spcAft>
-                <a:spcPts val="0"/>
-              </a:spcAft>
-              <a:buClr>
-                <a:schemeClr val="lt1"/>
-              </a:buClr>
-              <a:buSzPts val="3600"/>
-              <a:buFont typeface="Maven Pro"/>
-              <a:buNone/>
-              <a:defRPr sz="3600" b="1" i="0" u="none" strike="noStrike" cap="none">
-                <a:solidFill>
-                  <a:schemeClr val="lt1"/>
-                </a:solidFill>
-                <a:latin typeface="Maven Pro"/>
-                <a:ea typeface="Maven Pro"/>
-                <a:cs typeface="Maven Pro"/>
-                <a:sym typeface="Maven Pro"/>
-              </a:defRPr>
-            </a:lvl3pPr>
-            <a:lvl4pPr marR="0" lvl="3" algn="l" rtl="0">
-              <a:lnSpc>
-                <a:spcPct val="100000"/>
-              </a:lnSpc>
-              <a:spcBef>
-                <a:spcPts val="0"/>
-              </a:spcBef>
-              <a:spcAft>
-                <a:spcPts val="0"/>
-              </a:spcAft>
-              <a:buClr>
-                <a:schemeClr val="lt1"/>
-              </a:buClr>
-              <a:buSzPts val="3600"/>
-              <a:buFont typeface="Maven Pro"/>
-              <a:buNone/>
-              <a:defRPr sz="3600" b="1" i="0" u="none" strike="noStrike" cap="none">
-                <a:solidFill>
-                  <a:schemeClr val="lt1"/>
-                </a:solidFill>
-                <a:latin typeface="Maven Pro"/>
-                <a:ea typeface="Maven Pro"/>
-                <a:cs typeface="Maven Pro"/>
-                <a:sym typeface="Maven Pro"/>
-              </a:defRPr>
-            </a:lvl4pPr>
-            <a:lvl5pPr marR="0" lvl="4" algn="l" rtl="0">
-              <a:lnSpc>
-                <a:spcPct val="100000"/>
-              </a:lnSpc>
-              <a:spcBef>
-                <a:spcPts val="0"/>
-              </a:spcBef>
-              <a:spcAft>
-                <a:spcPts val="0"/>
-              </a:spcAft>
-              <a:buClr>
-                <a:schemeClr val="lt1"/>
-              </a:buClr>
-              <a:buSzPts val="3600"/>
-              <a:buFont typeface="Maven Pro"/>
-              <a:buNone/>
-              <a:defRPr sz="3600" b="1" i="0" u="none" strike="noStrike" cap="none">
-                <a:solidFill>
-                  <a:schemeClr val="lt1"/>
-                </a:solidFill>
-                <a:latin typeface="Maven Pro"/>
-                <a:ea typeface="Maven Pro"/>
-                <a:cs typeface="Maven Pro"/>
-                <a:sym typeface="Maven Pro"/>
-              </a:defRPr>
-            </a:lvl5pPr>
-            <a:lvl6pPr marR="0" lvl="5" algn="l" rtl="0">
-              <a:lnSpc>
-                <a:spcPct val="100000"/>
-              </a:lnSpc>
-              <a:spcBef>
-                <a:spcPts val="0"/>
-              </a:spcBef>
-              <a:spcAft>
-                <a:spcPts val="0"/>
-              </a:spcAft>
-              <a:buClr>
-                <a:schemeClr val="lt1"/>
-              </a:buClr>
-              <a:buSzPts val="3600"/>
-              <a:buFont typeface="Maven Pro"/>
-              <a:buNone/>
-              <a:defRPr sz="3600" b="1" i="0" u="none" strike="noStrike" cap="none">
-                <a:solidFill>
-                  <a:schemeClr val="lt1"/>
-                </a:solidFill>
-                <a:latin typeface="Maven Pro"/>
-                <a:ea typeface="Maven Pro"/>
-                <a:cs typeface="Maven Pro"/>
-                <a:sym typeface="Maven Pro"/>
-              </a:defRPr>
-            </a:lvl6pPr>
-            <a:lvl7pPr marR="0" lvl="6" algn="l" rtl="0">
-              <a:lnSpc>
-                <a:spcPct val="100000"/>
-              </a:lnSpc>
-              <a:spcBef>
-                <a:spcPts val="0"/>
-              </a:spcBef>
-              <a:spcAft>
-                <a:spcPts val="0"/>
-              </a:spcAft>
-              <a:buClr>
-                <a:schemeClr val="lt1"/>
-              </a:buClr>
-              <a:buSzPts val="3600"/>
-              <a:buFont typeface="Maven Pro"/>
-              <a:buNone/>
-              <a:defRPr sz="3600" b="1" i="0" u="none" strike="noStrike" cap="none">
-                <a:solidFill>
-                  <a:schemeClr val="lt1"/>
-                </a:solidFill>
-                <a:latin typeface="Maven Pro"/>
-                <a:ea typeface="Maven Pro"/>
-                <a:cs typeface="Maven Pro"/>
-                <a:sym typeface="Maven Pro"/>
-              </a:defRPr>
-            </a:lvl7pPr>
-            <a:lvl8pPr marR="0" lvl="7" algn="l" rtl="0">
-              <a:lnSpc>
-                <a:spcPct val="100000"/>
-              </a:lnSpc>
-              <a:spcBef>
-                <a:spcPts val="0"/>
-              </a:spcBef>
-              <a:spcAft>
-                <a:spcPts val="0"/>
-              </a:spcAft>
-              <a:buClr>
-                <a:schemeClr val="lt1"/>
-              </a:buClr>
-              <a:buSzPts val="3600"/>
-              <a:buFont typeface="Maven Pro"/>
-              <a:buNone/>
-              <a:defRPr sz="3600" b="1" i="0" u="none" strike="noStrike" cap="none">
-                <a:solidFill>
-                  <a:schemeClr val="lt1"/>
-                </a:solidFill>
-                <a:latin typeface="Maven Pro"/>
-                <a:ea typeface="Maven Pro"/>
-                <a:cs typeface="Maven Pro"/>
-                <a:sym typeface="Maven Pro"/>
-              </a:defRPr>
-            </a:lvl8pPr>
-            <a:lvl9pPr marR="0" lvl="8" algn="l" rtl="0">
-              <a:lnSpc>
-                <a:spcPct val="100000"/>
-              </a:lnSpc>
-              <a:spcBef>
-                <a:spcPts val="0"/>
-              </a:spcBef>
-              <a:spcAft>
-                <a:spcPts val="0"/>
-              </a:spcAft>
-              <a:buClr>
-                <a:schemeClr val="lt1"/>
-              </a:buClr>
-              <a:buSzPts val="3600"/>
-              <a:buFont typeface="Maven Pro"/>
-              <a:buNone/>
-              <a:defRPr sz="3600" b="1" i="0" u="none" strike="noStrike" cap="none">
-                <a:solidFill>
-                  <a:schemeClr val="lt1"/>
-                </a:solidFill>
-                <a:latin typeface="Maven Pro"/>
-                <a:ea typeface="Maven Pro"/>
-                <a:cs typeface="Maven Pro"/>
-                <a:sym typeface="Maven Pro"/>
-              </a:defRPr>
-            </a:lvl9pPr>
-          </a:lstStyle>
-          <a:p>
-            <a:pPr marL="0" marR="0" lvl="0" indent="0" algn="l" defTabSz="914400" rtl="0" eaLnBrk="1" fontAlgn="auto" latinLnBrk="0" hangingPunct="1">
-              <a:lnSpc>
-                <a:spcPct val="100000"/>
-              </a:lnSpc>
-              <a:spcBef>
-                <a:spcPts val="0"/>
-              </a:spcBef>
-              <a:spcAft>
-                <a:spcPts val="0"/>
-              </a:spcAft>
-              <a:buClr>
-                <a:srgbClr val="FFFFFF"/>
-              </a:buClr>
-              <a:buSzPts val="3600"/>
-              <a:buFont typeface="Maven Pro"/>
-              <a:buNone/>
-              <a:tabLst/>
-              <a:defRPr/>
-            </a:pPr>
-            <a:r>
-              <a:rPr kumimoji="0" lang="en" sz="3600" b="1" i="0" u="none" strike="noStrike" kern="0" cap="none" spc="0" normalizeH="0" baseline="0" noProof="0" dirty="0">
-                <a:ln>
-                  <a:noFill/>
-                </a:ln>
-                <a:solidFill>
-                  <a:srgbClr val="BD582C"/>
-                </a:solidFill>
-                <a:effectLst/>
-                <a:uLnTx/>
-                <a:uFillTx/>
-                <a:latin typeface="Maven Pro"/>
-                <a:sym typeface="Maven Pro"/>
-              </a:rPr>
-              <a:t>Sports Analytics Dashboard Overview</a:t>
-            </a:r>
-            <a:endParaRPr kumimoji="0" sz="3600" b="1" i="0" u="none" strike="noStrike" kern="0" cap="none" spc="0" normalizeH="0" baseline="0" noProof="0" dirty="0">
-              <a:ln>
-                <a:noFill/>
-              </a:ln>
-              <a:solidFill>
-                <a:srgbClr val="BD582C"/>
-              </a:solidFill>
-              <a:effectLst/>
-              <a:uLnTx/>
-              <a:uFillTx/>
-              <a:latin typeface="Maven Pro"/>
-              <a:sym typeface="Maven Pro"/>
-            </a:endParaRPr>
-          </a:p>
-        </p:txBody>
-      </p:sp>
-      <p:pic>
-        <p:nvPicPr>
-          <p:cNvPr id="5" name="Picture 4">
-            <a:extLst>
-              <a:ext uri="{FF2B5EF4-FFF2-40B4-BE49-F238E27FC236}">
-                <a16:creationId xmlns:a16="http://schemas.microsoft.com/office/drawing/2014/main" id="{D1AE2F20-B7E0-A3E8-2D4A-0963AA4A3EC2}"/>
-              </a:ext>
-            </a:extLst>
-          </p:cNvPr>
-          <p:cNvPicPr>
-            <a:picLocks noChangeAspect="1"/>
-          </p:cNvPicPr>
-          <p:nvPr/>
-        </p:nvPicPr>
-        <p:blipFill>
-          <a:blip r:embed="rId2"/>
-          <a:stretch>
-            <a:fillRect/>
-          </a:stretch>
-        </p:blipFill>
-        <p:spPr>
-          <a:xfrm>
-            <a:off x="113122" y="695226"/>
-            <a:ext cx="11965756" cy="5524419"/>
-          </a:xfrm>
-          <a:prstGeom prst="rect">
-            <a:avLst/>
-          </a:prstGeom>
-        </p:spPr>
-      </p:pic>
-    </p:spTree>
-    <p:extLst>
-      <p:ext uri="{BB962C8B-B14F-4D97-AF65-F5344CB8AC3E}">
-        <p14:creationId xmlns:p14="http://schemas.microsoft.com/office/powerpoint/2010/main" val="3542240592"/>
-      </p:ext>
-    </p:extLst>
-  </p:cSld>
-  <p:clrMapOvr>
-    <a:masterClrMapping/>
-  </p:clrMapOvr>
-</p:sld>
-</file>
-
-<file path=ppt/slides/slide11.xml><?xml version="1.0" encoding="utf-8"?>
-<p:sld xmlns:a="http://schemas.openxmlformats.org/drawingml/2006/main" xmlns:r="http://schemas.openxmlformats.org/officeDocument/2006/relationships" xmlns:p="http://schemas.openxmlformats.org/presentationml/2006/main">
-  <p:cSld>
-    <p:spTree>
-      <p:nvGrpSpPr>
-        <p:cNvPr id="1" name="">
-          <a:extLst>
-            <a:ext uri="{FF2B5EF4-FFF2-40B4-BE49-F238E27FC236}">
               <a16:creationId xmlns:a16="http://schemas.microsoft.com/office/drawing/2014/main" id="{4604E428-EC78-9375-7828-6EB99E425F3F}"/>
             </a:ext>
           </a:extLst>
@@ -5415,7 +5018,7 @@
 </p:sld>
 </file>
 
-<file path=ppt/slides/slide12.xml><?xml version="1.0" encoding="utf-8"?>
+<file path=ppt/slides/slide11.xml><?xml version="1.0" encoding="utf-8"?>
 <p:sld xmlns:a="http://schemas.openxmlformats.org/drawingml/2006/main" xmlns:r="http://schemas.openxmlformats.org/officeDocument/2006/relationships" xmlns:p="http://schemas.openxmlformats.org/presentationml/2006/main">
   <p:cSld>
     <p:spTree>
@@ -6025,7 +5628,7 @@
 </p:sld>
 </file>
 
-<file path=ppt/slides/slide13.xml><?xml version="1.0" encoding="utf-8"?>
+<file path=ppt/slides/slide12.xml><?xml version="1.0" encoding="utf-8"?>
 <p:sld xmlns:a="http://schemas.openxmlformats.org/drawingml/2006/main" xmlns:r="http://schemas.openxmlformats.org/officeDocument/2006/relationships" xmlns:p="http://schemas.openxmlformats.org/presentationml/2006/main">
   <p:cSld>
     <p:spTree>
@@ -6479,8 +6082,8 @@
         </p:nvSpPr>
         <p:spPr bwMode="auto">
           <a:xfrm>
-            <a:off x="565608" y="825800"/>
-            <a:ext cx="6872882" cy="5546390"/>
+            <a:off x="565608" y="1102799"/>
+            <a:ext cx="6872882" cy="4992392"/>
           </a:xfrm>
           <a:prstGeom prst="rect">
             <a:avLst/>
@@ -6594,37 +6197,16 @@
               </a:rPr>
               <a:t>Preprocessing</a:t>
             </a:r>
-          </a:p>
-          <a:p>
-            <a:pPr marL="285750" marR="0" lvl="0" indent="-285750" algn="l" defTabSz="914400" rtl="0" eaLnBrk="0" fontAlgn="base" latinLnBrk="0" hangingPunct="0">
-              <a:lnSpc>
-                <a:spcPct val="200000"/>
-              </a:lnSpc>
-              <a:spcBef>
-                <a:spcPct val="0"/>
-              </a:spcBef>
-              <a:spcAft>
-                <a:spcPct val="0"/>
-              </a:spcAft>
-              <a:buClrTx/>
-              <a:buSzTx/>
-              <a:buFont typeface="Wingdings" panose="05000000000000000000" pitchFamily="2" charset="2"/>
-              <a:buChar char="Ø"/>
-              <a:tabLst/>
-            </a:pPr>
-            <a:r>
-              <a:rPr kumimoji="0" lang="en-US" altLang="en-US" sz="1800" b="0" i="0" u="none" strike="noStrike" cap="none" normalizeH="0" baseline="0" dirty="0">
-                <a:ln>
-                  <a:noFill/>
-                </a:ln>
-                <a:solidFill>
-                  <a:schemeClr val="tx1"/>
-                </a:solidFill>
-                <a:effectLst/>
-                <a:latin typeface="Arial" panose="020B0604020202020204" pitchFamily="34" charset="0"/>
-              </a:rPr>
-              <a:t>Project Management</a:t>
-            </a:r>
+            <a:endParaRPr kumimoji="0" lang="en-US" altLang="en-US" sz="1800" b="0" i="0" u="none" strike="noStrike" cap="none" normalizeH="0" baseline="0" dirty="0">
+              <a:ln>
+                <a:noFill/>
+              </a:ln>
+              <a:solidFill>
+                <a:schemeClr val="tx1"/>
+              </a:solidFill>
+              <a:effectLst/>
+              <a:latin typeface="Arial" panose="020B0604020202020204" pitchFamily="34" charset="0"/>
+            </a:endParaRPr>
           </a:p>
           <a:p>
             <a:pPr marL="285750" marR="0" lvl="0" indent="-285750" algn="l" defTabSz="914400" rtl="0" eaLnBrk="0" fontAlgn="base" latinLnBrk="0" hangingPunct="0">
@@ -8054,402 +7636,6 @@
 </file>
 
 <file path=ppt/slides/slide5.xml><?xml version="1.0" encoding="utf-8"?>
-<p:sld xmlns:a="http://schemas.openxmlformats.org/drawingml/2006/main" xmlns:r="http://schemas.openxmlformats.org/officeDocument/2006/relationships" xmlns:p="http://schemas.openxmlformats.org/presentationml/2006/main">
-  <p:cSld>
-    <p:spTree>
-      <p:nvGrpSpPr>
-        <p:cNvPr id="1" name=""/>
-        <p:cNvGrpSpPr/>
-        <p:nvPr/>
-      </p:nvGrpSpPr>
-      <p:grpSpPr>
-        <a:xfrm>
-          <a:off x="0" y="0"/>
-          <a:ext cx="0" cy="0"/>
-          <a:chOff x="0" y="0"/>
-          <a:chExt cx="0" cy="0"/>
-        </a:xfrm>
-      </p:grpSpPr>
-      <p:sp>
-        <p:nvSpPr>
-          <p:cNvPr id="4" name="Google Shape;277;p13">
-            <a:extLst>
-              <a:ext uri="{FF2B5EF4-FFF2-40B4-BE49-F238E27FC236}">
-                <a16:creationId xmlns:a16="http://schemas.microsoft.com/office/drawing/2014/main" id="{88E2B1A6-37CA-07BA-6CAC-5B23C588E7C6}"/>
-              </a:ext>
-            </a:extLst>
-          </p:cNvPr>
-          <p:cNvSpPr txBox="1">
-            <a:spLocks noGrp="1"/>
-          </p:cNvSpPr>
-          <p:nvPr/>
-        </p:nvSpPr>
-        <p:spPr>
-          <a:xfrm>
-            <a:off x="113122" y="0"/>
-            <a:ext cx="11003516" cy="695227"/>
-          </a:xfrm>
-          <a:prstGeom prst="rect">
-            <a:avLst/>
-          </a:prstGeom>
-          <a:noFill/>
-          <a:ln>
-            <a:noFill/>
-          </a:ln>
-        </p:spPr>
-        <p:txBody>
-          <a:bodyPr spcFirstLastPara="1" wrap="square" lIns="91425" tIns="91425" rIns="91425" bIns="91425" anchor="ctr" anchorCtr="0">
-            <a:noAutofit/>
-          </a:bodyPr>
-          <a:lstStyle>
-            <a:defPPr marR="0" lvl="0" algn="l" rtl="0">
-              <a:lnSpc>
-                <a:spcPct val="100000"/>
-              </a:lnSpc>
-              <a:spcBef>
-                <a:spcPts val="0"/>
-              </a:spcBef>
-              <a:spcAft>
-                <a:spcPts val="0"/>
-              </a:spcAft>
-            </a:defPPr>
-            <a:lvl1pPr marR="0" lvl="0" algn="l" rtl="0">
-              <a:lnSpc>
-                <a:spcPct val="100000"/>
-              </a:lnSpc>
-              <a:spcBef>
-                <a:spcPts val="0"/>
-              </a:spcBef>
-              <a:spcAft>
-                <a:spcPts val="0"/>
-              </a:spcAft>
-              <a:buClr>
-                <a:schemeClr val="lt1"/>
-              </a:buClr>
-              <a:buSzPts val="3600"/>
-              <a:buFont typeface="Maven Pro"/>
-              <a:buNone/>
-              <a:defRPr sz="3600" b="1" i="0" u="none" strike="noStrike" cap="none">
-                <a:solidFill>
-                  <a:schemeClr val="lt1"/>
-                </a:solidFill>
-                <a:latin typeface="Maven Pro"/>
-                <a:ea typeface="Maven Pro"/>
-                <a:cs typeface="Maven Pro"/>
-                <a:sym typeface="Maven Pro"/>
-              </a:defRPr>
-            </a:lvl1pPr>
-            <a:lvl2pPr marR="0" lvl="1" algn="l" rtl="0">
-              <a:lnSpc>
-                <a:spcPct val="100000"/>
-              </a:lnSpc>
-              <a:spcBef>
-                <a:spcPts val="0"/>
-              </a:spcBef>
-              <a:spcAft>
-                <a:spcPts val="0"/>
-              </a:spcAft>
-              <a:buClr>
-                <a:schemeClr val="lt1"/>
-              </a:buClr>
-              <a:buSzPts val="3600"/>
-              <a:buFont typeface="Maven Pro"/>
-              <a:buNone/>
-              <a:defRPr sz="3600" b="1" i="0" u="none" strike="noStrike" cap="none">
-                <a:solidFill>
-                  <a:schemeClr val="lt1"/>
-                </a:solidFill>
-                <a:latin typeface="Maven Pro"/>
-                <a:ea typeface="Maven Pro"/>
-                <a:cs typeface="Maven Pro"/>
-                <a:sym typeface="Maven Pro"/>
-              </a:defRPr>
-            </a:lvl2pPr>
-            <a:lvl3pPr marR="0" lvl="2" algn="l" rtl="0">
-              <a:lnSpc>
-                <a:spcPct val="100000"/>
-              </a:lnSpc>
-              <a:spcBef>
-                <a:spcPts val="0"/>
-              </a:spcBef>
-              <a:spcAft>
-                <a:spcPts val="0"/>
-              </a:spcAft>
-              <a:buClr>
-                <a:schemeClr val="lt1"/>
-              </a:buClr>
-              <a:buSzPts val="3600"/>
-              <a:buFont typeface="Maven Pro"/>
-              <a:buNone/>
-              <a:defRPr sz="3600" b="1" i="0" u="none" strike="noStrike" cap="none">
-                <a:solidFill>
-                  <a:schemeClr val="lt1"/>
-                </a:solidFill>
-                <a:latin typeface="Maven Pro"/>
-                <a:ea typeface="Maven Pro"/>
-                <a:cs typeface="Maven Pro"/>
-                <a:sym typeface="Maven Pro"/>
-              </a:defRPr>
-            </a:lvl3pPr>
-            <a:lvl4pPr marR="0" lvl="3" algn="l" rtl="0">
-              <a:lnSpc>
-                <a:spcPct val="100000"/>
-              </a:lnSpc>
-              <a:spcBef>
-                <a:spcPts val="0"/>
-              </a:spcBef>
-              <a:spcAft>
-                <a:spcPts val="0"/>
-              </a:spcAft>
-              <a:buClr>
-                <a:schemeClr val="lt1"/>
-              </a:buClr>
-              <a:buSzPts val="3600"/>
-              <a:buFont typeface="Maven Pro"/>
-              <a:buNone/>
-              <a:defRPr sz="3600" b="1" i="0" u="none" strike="noStrike" cap="none">
-                <a:solidFill>
-                  <a:schemeClr val="lt1"/>
-                </a:solidFill>
-                <a:latin typeface="Maven Pro"/>
-                <a:ea typeface="Maven Pro"/>
-                <a:cs typeface="Maven Pro"/>
-                <a:sym typeface="Maven Pro"/>
-              </a:defRPr>
-            </a:lvl4pPr>
-            <a:lvl5pPr marR="0" lvl="4" algn="l" rtl="0">
-              <a:lnSpc>
-                <a:spcPct val="100000"/>
-              </a:lnSpc>
-              <a:spcBef>
-                <a:spcPts val="0"/>
-              </a:spcBef>
-              <a:spcAft>
-                <a:spcPts val="0"/>
-              </a:spcAft>
-              <a:buClr>
-                <a:schemeClr val="lt1"/>
-              </a:buClr>
-              <a:buSzPts val="3600"/>
-              <a:buFont typeface="Maven Pro"/>
-              <a:buNone/>
-              <a:defRPr sz="3600" b="1" i="0" u="none" strike="noStrike" cap="none">
-                <a:solidFill>
-                  <a:schemeClr val="lt1"/>
-                </a:solidFill>
-                <a:latin typeface="Maven Pro"/>
-                <a:ea typeface="Maven Pro"/>
-                <a:cs typeface="Maven Pro"/>
-                <a:sym typeface="Maven Pro"/>
-              </a:defRPr>
-            </a:lvl5pPr>
-            <a:lvl6pPr marR="0" lvl="5" algn="l" rtl="0">
-              <a:lnSpc>
-                <a:spcPct val="100000"/>
-              </a:lnSpc>
-              <a:spcBef>
-                <a:spcPts val="0"/>
-              </a:spcBef>
-              <a:spcAft>
-                <a:spcPts val="0"/>
-              </a:spcAft>
-              <a:buClr>
-                <a:schemeClr val="lt1"/>
-              </a:buClr>
-              <a:buSzPts val="3600"/>
-              <a:buFont typeface="Maven Pro"/>
-              <a:buNone/>
-              <a:defRPr sz="3600" b="1" i="0" u="none" strike="noStrike" cap="none">
-                <a:solidFill>
-                  <a:schemeClr val="lt1"/>
-                </a:solidFill>
-                <a:latin typeface="Maven Pro"/>
-                <a:ea typeface="Maven Pro"/>
-                <a:cs typeface="Maven Pro"/>
-                <a:sym typeface="Maven Pro"/>
-              </a:defRPr>
-            </a:lvl6pPr>
-            <a:lvl7pPr marR="0" lvl="6" algn="l" rtl="0">
-              <a:lnSpc>
-                <a:spcPct val="100000"/>
-              </a:lnSpc>
-              <a:spcBef>
-                <a:spcPts val="0"/>
-              </a:spcBef>
-              <a:spcAft>
-                <a:spcPts val="0"/>
-              </a:spcAft>
-              <a:buClr>
-                <a:schemeClr val="lt1"/>
-              </a:buClr>
-              <a:buSzPts val="3600"/>
-              <a:buFont typeface="Maven Pro"/>
-              <a:buNone/>
-              <a:defRPr sz="3600" b="1" i="0" u="none" strike="noStrike" cap="none">
-                <a:solidFill>
-                  <a:schemeClr val="lt1"/>
-                </a:solidFill>
-                <a:latin typeface="Maven Pro"/>
-                <a:ea typeface="Maven Pro"/>
-                <a:cs typeface="Maven Pro"/>
-                <a:sym typeface="Maven Pro"/>
-              </a:defRPr>
-            </a:lvl7pPr>
-            <a:lvl8pPr marR="0" lvl="7" algn="l" rtl="0">
-              <a:lnSpc>
-                <a:spcPct val="100000"/>
-              </a:lnSpc>
-              <a:spcBef>
-                <a:spcPts val="0"/>
-              </a:spcBef>
-              <a:spcAft>
-                <a:spcPts val="0"/>
-              </a:spcAft>
-              <a:buClr>
-                <a:schemeClr val="lt1"/>
-              </a:buClr>
-              <a:buSzPts val="3600"/>
-              <a:buFont typeface="Maven Pro"/>
-              <a:buNone/>
-              <a:defRPr sz="3600" b="1" i="0" u="none" strike="noStrike" cap="none">
-                <a:solidFill>
-                  <a:schemeClr val="lt1"/>
-                </a:solidFill>
-                <a:latin typeface="Maven Pro"/>
-                <a:ea typeface="Maven Pro"/>
-                <a:cs typeface="Maven Pro"/>
-                <a:sym typeface="Maven Pro"/>
-              </a:defRPr>
-            </a:lvl8pPr>
-            <a:lvl9pPr marR="0" lvl="8" algn="l" rtl="0">
-              <a:lnSpc>
-                <a:spcPct val="100000"/>
-              </a:lnSpc>
-              <a:spcBef>
-                <a:spcPts val="0"/>
-              </a:spcBef>
-              <a:spcAft>
-                <a:spcPts val="0"/>
-              </a:spcAft>
-              <a:buClr>
-                <a:schemeClr val="lt1"/>
-              </a:buClr>
-              <a:buSzPts val="3600"/>
-              <a:buFont typeface="Maven Pro"/>
-              <a:buNone/>
-              <a:defRPr sz="3600" b="1" i="0" u="none" strike="noStrike" cap="none">
-                <a:solidFill>
-                  <a:schemeClr val="lt1"/>
-                </a:solidFill>
-                <a:latin typeface="Maven Pro"/>
-                <a:ea typeface="Maven Pro"/>
-                <a:cs typeface="Maven Pro"/>
-                <a:sym typeface="Maven Pro"/>
-              </a:defRPr>
-            </a:lvl9pPr>
-          </a:lstStyle>
-          <a:p>
-            <a:pPr marL="0" marR="0" lvl="0" indent="0" algn="l" defTabSz="914400" rtl="0" eaLnBrk="1" fontAlgn="auto" latinLnBrk="0" hangingPunct="1">
-              <a:lnSpc>
-                <a:spcPct val="100000"/>
-              </a:lnSpc>
-              <a:spcBef>
-                <a:spcPts val="0"/>
-              </a:spcBef>
-              <a:spcAft>
-                <a:spcPts val="0"/>
-              </a:spcAft>
-              <a:buClr>
-                <a:srgbClr val="FFFFFF"/>
-              </a:buClr>
-              <a:buSzPts val="3600"/>
-              <a:buFont typeface="Maven Pro"/>
-              <a:buNone/>
-              <a:tabLst/>
-              <a:defRPr/>
-            </a:pPr>
-            <a:r>
-              <a:rPr kumimoji="0" lang="en" sz="3600" b="1" i="0" u="none" strike="noStrike" kern="0" cap="none" spc="0" normalizeH="0" baseline="0" noProof="0" dirty="0">
-                <a:ln>
-                  <a:noFill/>
-                </a:ln>
-                <a:solidFill>
-                  <a:srgbClr val="BD582C"/>
-                </a:solidFill>
-                <a:effectLst/>
-                <a:uLnTx/>
-                <a:uFillTx/>
-                <a:latin typeface="Maven Pro"/>
-                <a:sym typeface="Maven Pro"/>
-              </a:rPr>
-              <a:t>Project Management</a:t>
-            </a:r>
-            <a:endParaRPr kumimoji="0" sz="3600" b="1" i="0" u="none" strike="noStrike" kern="0" cap="none" spc="0" normalizeH="0" baseline="0" noProof="0" dirty="0">
-              <a:ln>
-                <a:noFill/>
-              </a:ln>
-              <a:solidFill>
-                <a:srgbClr val="BD582C"/>
-              </a:solidFill>
-              <a:effectLst/>
-              <a:uLnTx/>
-              <a:uFillTx/>
-              <a:latin typeface="Maven Pro"/>
-              <a:sym typeface="Maven Pro"/>
-            </a:endParaRPr>
-          </a:p>
-        </p:txBody>
-      </p:sp>
-      <p:pic>
-        <p:nvPicPr>
-          <p:cNvPr id="3" name="Picture 2">
-            <a:extLst>
-              <a:ext uri="{FF2B5EF4-FFF2-40B4-BE49-F238E27FC236}">
-                <a16:creationId xmlns:a16="http://schemas.microsoft.com/office/drawing/2014/main" id="{BDBA664A-8D97-AA33-14F1-C2F2923E5544}"/>
-              </a:ext>
-            </a:extLst>
-          </p:cNvPr>
-          <p:cNvPicPr>
-            <a:picLocks noChangeAspect="1"/>
-          </p:cNvPicPr>
-          <p:nvPr/>
-        </p:nvPicPr>
-        <p:blipFill>
-          <a:blip r:embed="rId2">
-            <a:extLst>
-              <a:ext uri="{28A0092B-C50C-407E-A947-70E740481C1C}">
-                <a14:useLocalDpi xmlns:a14="http://schemas.microsoft.com/office/drawing/2010/main" val="0"/>
-              </a:ext>
-            </a:extLst>
-          </a:blip>
-          <a:stretch>
-            <a:fillRect/>
-          </a:stretch>
-        </p:blipFill>
-        <p:spPr>
-          <a:xfrm>
-            <a:off x="249944" y="1078787"/>
-            <a:ext cx="11353286" cy="3657599"/>
-          </a:xfrm>
-          <a:prstGeom prst="rect">
-            <a:avLst/>
-          </a:prstGeom>
-        </p:spPr>
-      </p:pic>
-    </p:spTree>
-    <p:extLst>
-      <p:ext uri="{BB962C8B-B14F-4D97-AF65-F5344CB8AC3E}">
-        <p14:creationId xmlns:p14="http://schemas.microsoft.com/office/powerpoint/2010/main" val="2009592266"/>
-      </p:ext>
-    </p:extLst>
-  </p:cSld>
-  <p:clrMapOvr>
-    <a:masterClrMapping/>
-  </p:clrMapOvr>
-</p:sld>
-</file>
-
-<file path=ppt/slides/slide6.xml><?xml version="1.0" encoding="utf-8"?>
 <p:sld xmlns:a="http://schemas.openxmlformats.org/drawingml/2006/main" xmlns:r="http://schemas.openxmlformats.org/officeDocument/2006/relationships" xmlns:p="http://schemas.openxmlformats.org/presentationml/2006/main">
   <p:cSld>
     <p:spTree>
@@ -8957,7 +8143,7 @@
 </p:sld>
 </file>
 
-<file path=ppt/slides/slide7.xml><?xml version="1.0" encoding="utf-8"?>
+<file path=ppt/slides/slide6.xml><?xml version="1.0" encoding="utf-8"?>
 <p:sld xmlns:a="http://schemas.openxmlformats.org/drawingml/2006/main" xmlns:r="http://schemas.openxmlformats.org/officeDocument/2006/relationships" xmlns:p="http://schemas.openxmlformats.org/presentationml/2006/main">
   <p:cSld>
     <p:spTree>
@@ -9466,7 +8652,7 @@
 </p:sld>
 </file>
 
-<file path=ppt/slides/slide8.xml><?xml version="1.0" encoding="utf-8"?>
+<file path=ppt/slides/slide7.xml><?xml version="1.0" encoding="utf-8"?>
 <p:sld xmlns:a="http://schemas.openxmlformats.org/drawingml/2006/main" xmlns:r="http://schemas.openxmlformats.org/officeDocument/2006/relationships" xmlns:p="http://schemas.openxmlformats.org/presentationml/2006/main">
   <p:cSld>
     <p:spTree>
@@ -10127,7 +9313,7 @@
 </p:sld>
 </file>
 
-<file path=ppt/slides/slide9.xml><?xml version="1.0" encoding="utf-8"?>
+<file path=ppt/slides/slide8.xml><?xml version="1.0" encoding="utf-8"?>
 <p:sld xmlns:a="http://schemas.openxmlformats.org/drawingml/2006/main" xmlns:r="http://schemas.openxmlformats.org/officeDocument/2006/relationships" xmlns:p="http://schemas.openxmlformats.org/presentationml/2006/main">
   <p:cSld>
     <p:spTree>
@@ -10514,6 +9700,402 @@
     <p:extLst>
       <p:ext uri="{BB962C8B-B14F-4D97-AF65-F5344CB8AC3E}">
         <p14:creationId xmlns:p14="http://schemas.microsoft.com/office/powerpoint/2010/main" val="234914691"/>
+      </p:ext>
+    </p:extLst>
+  </p:cSld>
+  <p:clrMapOvr>
+    <a:masterClrMapping/>
+  </p:clrMapOvr>
+</p:sld>
+</file>
+
+<file path=ppt/slides/slide9.xml><?xml version="1.0" encoding="utf-8"?>
+<p:sld xmlns:a="http://schemas.openxmlformats.org/drawingml/2006/main" xmlns:r="http://schemas.openxmlformats.org/officeDocument/2006/relationships" xmlns:p="http://schemas.openxmlformats.org/presentationml/2006/main">
+  <p:cSld>
+    <p:spTree>
+      <p:nvGrpSpPr>
+        <p:cNvPr id="1" name="">
+          <a:extLst>
+            <a:ext uri="{FF2B5EF4-FFF2-40B4-BE49-F238E27FC236}">
+              <a16:creationId xmlns:a16="http://schemas.microsoft.com/office/drawing/2014/main" id="{F3F08CE2-C663-6F8F-2C6F-8791E2BB838B}"/>
+            </a:ext>
+          </a:extLst>
+        </p:cNvPr>
+        <p:cNvGrpSpPr/>
+        <p:nvPr/>
+      </p:nvGrpSpPr>
+      <p:grpSpPr>
+        <a:xfrm>
+          <a:off x="0" y="0"/>
+          <a:ext cx="0" cy="0"/>
+          <a:chOff x="0" y="0"/>
+          <a:chExt cx="0" cy="0"/>
+        </a:xfrm>
+      </p:grpSpPr>
+      <p:sp>
+        <p:nvSpPr>
+          <p:cNvPr id="4" name="Google Shape;277;p13">
+            <a:extLst>
+              <a:ext uri="{FF2B5EF4-FFF2-40B4-BE49-F238E27FC236}">
+                <a16:creationId xmlns:a16="http://schemas.microsoft.com/office/drawing/2014/main" id="{6D079CAE-38A4-D1A1-9D48-9C401F8E41BD}"/>
+              </a:ext>
+            </a:extLst>
+          </p:cNvPr>
+          <p:cNvSpPr txBox="1">
+            <a:spLocks noGrp="1"/>
+          </p:cNvSpPr>
+          <p:nvPr/>
+        </p:nvSpPr>
+        <p:spPr>
+          <a:xfrm>
+            <a:off x="113122" y="0"/>
+            <a:ext cx="11003516" cy="695227"/>
+          </a:xfrm>
+          <a:prstGeom prst="rect">
+            <a:avLst/>
+          </a:prstGeom>
+          <a:noFill/>
+          <a:ln>
+            <a:noFill/>
+          </a:ln>
+        </p:spPr>
+        <p:txBody>
+          <a:bodyPr spcFirstLastPara="1" wrap="square" lIns="91425" tIns="91425" rIns="91425" bIns="91425" anchor="ctr" anchorCtr="0">
+            <a:noAutofit/>
+          </a:bodyPr>
+          <a:lstStyle>
+            <a:defPPr marR="0" lvl="0" algn="l" rtl="0">
+              <a:lnSpc>
+                <a:spcPct val="100000"/>
+              </a:lnSpc>
+              <a:spcBef>
+                <a:spcPts val="0"/>
+              </a:spcBef>
+              <a:spcAft>
+                <a:spcPts val="0"/>
+              </a:spcAft>
+            </a:defPPr>
+            <a:lvl1pPr marR="0" lvl="0" algn="l" rtl="0">
+              <a:lnSpc>
+                <a:spcPct val="100000"/>
+              </a:lnSpc>
+              <a:spcBef>
+                <a:spcPts val="0"/>
+              </a:spcBef>
+              <a:spcAft>
+                <a:spcPts val="0"/>
+              </a:spcAft>
+              <a:buClr>
+                <a:schemeClr val="lt1"/>
+              </a:buClr>
+              <a:buSzPts val="3600"/>
+              <a:buFont typeface="Maven Pro"/>
+              <a:buNone/>
+              <a:defRPr sz="3600" b="1" i="0" u="none" strike="noStrike" cap="none">
+                <a:solidFill>
+                  <a:schemeClr val="lt1"/>
+                </a:solidFill>
+                <a:latin typeface="Maven Pro"/>
+                <a:ea typeface="Maven Pro"/>
+                <a:cs typeface="Maven Pro"/>
+                <a:sym typeface="Maven Pro"/>
+              </a:defRPr>
+            </a:lvl1pPr>
+            <a:lvl2pPr marR="0" lvl="1" algn="l" rtl="0">
+              <a:lnSpc>
+                <a:spcPct val="100000"/>
+              </a:lnSpc>
+              <a:spcBef>
+                <a:spcPts val="0"/>
+              </a:spcBef>
+              <a:spcAft>
+                <a:spcPts val="0"/>
+              </a:spcAft>
+              <a:buClr>
+                <a:schemeClr val="lt1"/>
+              </a:buClr>
+              <a:buSzPts val="3600"/>
+              <a:buFont typeface="Maven Pro"/>
+              <a:buNone/>
+              <a:defRPr sz="3600" b="1" i="0" u="none" strike="noStrike" cap="none">
+                <a:solidFill>
+                  <a:schemeClr val="lt1"/>
+                </a:solidFill>
+                <a:latin typeface="Maven Pro"/>
+                <a:ea typeface="Maven Pro"/>
+                <a:cs typeface="Maven Pro"/>
+                <a:sym typeface="Maven Pro"/>
+              </a:defRPr>
+            </a:lvl2pPr>
+            <a:lvl3pPr marR="0" lvl="2" algn="l" rtl="0">
+              <a:lnSpc>
+                <a:spcPct val="100000"/>
+              </a:lnSpc>
+              <a:spcBef>
+                <a:spcPts val="0"/>
+              </a:spcBef>
+              <a:spcAft>
+                <a:spcPts val="0"/>
+              </a:spcAft>
+              <a:buClr>
+                <a:schemeClr val="lt1"/>
+              </a:buClr>
+              <a:buSzPts val="3600"/>
+              <a:buFont typeface="Maven Pro"/>
+              <a:buNone/>
+              <a:defRPr sz="3600" b="1" i="0" u="none" strike="noStrike" cap="none">
+                <a:solidFill>
+                  <a:schemeClr val="lt1"/>
+                </a:solidFill>
+                <a:latin typeface="Maven Pro"/>
+                <a:ea typeface="Maven Pro"/>
+                <a:cs typeface="Maven Pro"/>
+                <a:sym typeface="Maven Pro"/>
+              </a:defRPr>
+            </a:lvl3pPr>
+            <a:lvl4pPr marR="0" lvl="3" algn="l" rtl="0">
+              <a:lnSpc>
+                <a:spcPct val="100000"/>
+              </a:lnSpc>
+              <a:spcBef>
+                <a:spcPts val="0"/>
+              </a:spcBef>
+              <a:spcAft>
+                <a:spcPts val="0"/>
+              </a:spcAft>
+              <a:buClr>
+                <a:schemeClr val="lt1"/>
+              </a:buClr>
+              <a:buSzPts val="3600"/>
+              <a:buFont typeface="Maven Pro"/>
+              <a:buNone/>
+              <a:defRPr sz="3600" b="1" i="0" u="none" strike="noStrike" cap="none">
+                <a:solidFill>
+                  <a:schemeClr val="lt1"/>
+                </a:solidFill>
+                <a:latin typeface="Maven Pro"/>
+                <a:ea typeface="Maven Pro"/>
+                <a:cs typeface="Maven Pro"/>
+                <a:sym typeface="Maven Pro"/>
+              </a:defRPr>
+            </a:lvl4pPr>
+            <a:lvl5pPr marR="0" lvl="4" algn="l" rtl="0">
+              <a:lnSpc>
+                <a:spcPct val="100000"/>
+              </a:lnSpc>
+              <a:spcBef>
+                <a:spcPts val="0"/>
+              </a:spcBef>
+              <a:spcAft>
+                <a:spcPts val="0"/>
+              </a:spcAft>
+              <a:buClr>
+                <a:schemeClr val="lt1"/>
+              </a:buClr>
+              <a:buSzPts val="3600"/>
+              <a:buFont typeface="Maven Pro"/>
+              <a:buNone/>
+              <a:defRPr sz="3600" b="1" i="0" u="none" strike="noStrike" cap="none">
+                <a:solidFill>
+                  <a:schemeClr val="lt1"/>
+                </a:solidFill>
+                <a:latin typeface="Maven Pro"/>
+                <a:ea typeface="Maven Pro"/>
+                <a:cs typeface="Maven Pro"/>
+                <a:sym typeface="Maven Pro"/>
+              </a:defRPr>
+            </a:lvl5pPr>
+            <a:lvl6pPr marR="0" lvl="5" algn="l" rtl="0">
+              <a:lnSpc>
+                <a:spcPct val="100000"/>
+              </a:lnSpc>
+              <a:spcBef>
+                <a:spcPts val="0"/>
+              </a:spcBef>
+              <a:spcAft>
+                <a:spcPts val="0"/>
+              </a:spcAft>
+              <a:buClr>
+                <a:schemeClr val="lt1"/>
+              </a:buClr>
+              <a:buSzPts val="3600"/>
+              <a:buFont typeface="Maven Pro"/>
+              <a:buNone/>
+              <a:defRPr sz="3600" b="1" i="0" u="none" strike="noStrike" cap="none">
+                <a:solidFill>
+                  <a:schemeClr val="lt1"/>
+                </a:solidFill>
+                <a:latin typeface="Maven Pro"/>
+                <a:ea typeface="Maven Pro"/>
+                <a:cs typeface="Maven Pro"/>
+                <a:sym typeface="Maven Pro"/>
+              </a:defRPr>
+            </a:lvl6pPr>
+            <a:lvl7pPr marR="0" lvl="6" algn="l" rtl="0">
+              <a:lnSpc>
+                <a:spcPct val="100000"/>
+              </a:lnSpc>
+              <a:spcBef>
+                <a:spcPts val="0"/>
+              </a:spcBef>
+              <a:spcAft>
+                <a:spcPts val="0"/>
+              </a:spcAft>
+              <a:buClr>
+                <a:schemeClr val="lt1"/>
+              </a:buClr>
+              <a:buSzPts val="3600"/>
+              <a:buFont typeface="Maven Pro"/>
+              <a:buNone/>
+              <a:defRPr sz="3600" b="1" i="0" u="none" strike="noStrike" cap="none">
+                <a:solidFill>
+                  <a:schemeClr val="lt1"/>
+                </a:solidFill>
+                <a:latin typeface="Maven Pro"/>
+                <a:ea typeface="Maven Pro"/>
+                <a:cs typeface="Maven Pro"/>
+                <a:sym typeface="Maven Pro"/>
+              </a:defRPr>
+            </a:lvl7pPr>
+            <a:lvl8pPr marR="0" lvl="7" algn="l" rtl="0">
+              <a:lnSpc>
+                <a:spcPct val="100000"/>
+              </a:lnSpc>
+              <a:spcBef>
+                <a:spcPts val="0"/>
+              </a:spcBef>
+              <a:spcAft>
+                <a:spcPts val="0"/>
+              </a:spcAft>
+              <a:buClr>
+                <a:schemeClr val="lt1"/>
+              </a:buClr>
+              <a:buSzPts val="3600"/>
+              <a:buFont typeface="Maven Pro"/>
+              <a:buNone/>
+              <a:defRPr sz="3600" b="1" i="0" u="none" strike="noStrike" cap="none">
+                <a:solidFill>
+                  <a:schemeClr val="lt1"/>
+                </a:solidFill>
+                <a:latin typeface="Maven Pro"/>
+                <a:ea typeface="Maven Pro"/>
+                <a:cs typeface="Maven Pro"/>
+                <a:sym typeface="Maven Pro"/>
+              </a:defRPr>
+            </a:lvl8pPr>
+            <a:lvl9pPr marR="0" lvl="8" algn="l" rtl="0">
+              <a:lnSpc>
+                <a:spcPct val="100000"/>
+              </a:lnSpc>
+              <a:spcBef>
+                <a:spcPts val="0"/>
+              </a:spcBef>
+              <a:spcAft>
+                <a:spcPts val="0"/>
+              </a:spcAft>
+              <a:buClr>
+                <a:schemeClr val="lt1"/>
+              </a:buClr>
+              <a:buSzPts val="3600"/>
+              <a:buFont typeface="Maven Pro"/>
+              <a:buNone/>
+              <a:defRPr sz="3600" b="1" i="0" u="none" strike="noStrike" cap="none">
+                <a:solidFill>
+                  <a:schemeClr val="lt1"/>
+                </a:solidFill>
+                <a:latin typeface="Maven Pro"/>
+                <a:ea typeface="Maven Pro"/>
+                <a:cs typeface="Maven Pro"/>
+                <a:sym typeface="Maven Pro"/>
+              </a:defRPr>
+            </a:lvl9pPr>
+          </a:lstStyle>
+          <a:p>
+            <a:pPr marL="0" marR="0" lvl="0" indent="0" algn="l" defTabSz="914400" rtl="0" eaLnBrk="1" fontAlgn="auto" latinLnBrk="0" hangingPunct="1">
+              <a:lnSpc>
+                <a:spcPct val="100000"/>
+              </a:lnSpc>
+              <a:spcBef>
+                <a:spcPts val="0"/>
+              </a:spcBef>
+              <a:spcAft>
+                <a:spcPts val="0"/>
+              </a:spcAft>
+              <a:buClr>
+                <a:srgbClr val="FFFFFF"/>
+              </a:buClr>
+              <a:buSzPts val="3600"/>
+              <a:buFont typeface="Maven Pro"/>
+              <a:buNone/>
+              <a:tabLst/>
+              <a:defRPr/>
+            </a:pPr>
+            <a:r>
+              <a:rPr kumimoji="0" lang="en" sz="3600" b="1" i="0" u="none" strike="noStrike" kern="0" cap="none" spc="0" normalizeH="0" baseline="0" noProof="0" dirty="0">
+                <a:ln>
+                  <a:noFill/>
+                </a:ln>
+                <a:solidFill>
+                  <a:srgbClr val="BD582C"/>
+                </a:solidFill>
+                <a:effectLst/>
+                <a:uLnTx/>
+                <a:uFillTx/>
+                <a:latin typeface="Maven Pro"/>
+                <a:sym typeface="Maven Pro"/>
+              </a:rPr>
+              <a:t>Sports Analytics Dashboard Overview</a:t>
+            </a:r>
+            <a:endParaRPr kumimoji="0" sz="3600" b="1" i="0" u="none" strike="noStrike" kern="0" cap="none" spc="0" normalizeH="0" baseline="0" noProof="0" dirty="0">
+              <a:ln>
+                <a:noFill/>
+              </a:ln>
+              <a:solidFill>
+                <a:srgbClr val="BD582C"/>
+              </a:solidFill>
+              <a:effectLst/>
+              <a:uLnTx/>
+              <a:uFillTx/>
+              <a:latin typeface="Maven Pro"/>
+              <a:sym typeface="Maven Pro"/>
+            </a:endParaRPr>
+          </a:p>
+        </p:txBody>
+      </p:sp>
+      <p:pic>
+        <p:nvPicPr>
+          <p:cNvPr id="5" name="Picture 4">
+            <a:extLst>
+              <a:ext uri="{FF2B5EF4-FFF2-40B4-BE49-F238E27FC236}">
+                <a16:creationId xmlns:a16="http://schemas.microsoft.com/office/drawing/2014/main" id="{D1AE2F20-B7E0-A3E8-2D4A-0963AA4A3EC2}"/>
+              </a:ext>
+            </a:extLst>
+          </p:cNvPr>
+          <p:cNvPicPr>
+            <a:picLocks noChangeAspect="1"/>
+          </p:cNvPicPr>
+          <p:nvPr/>
+        </p:nvPicPr>
+        <p:blipFill>
+          <a:blip r:embed="rId2"/>
+          <a:stretch>
+            <a:fillRect/>
+          </a:stretch>
+        </p:blipFill>
+        <p:spPr>
+          <a:xfrm>
+            <a:off x="113122" y="695226"/>
+            <a:ext cx="11965756" cy="5524419"/>
+          </a:xfrm>
+          <a:prstGeom prst="rect">
+            <a:avLst/>
+          </a:prstGeom>
+        </p:spPr>
+      </p:pic>
+    </p:spTree>
+    <p:extLst>
+      <p:ext uri="{BB962C8B-B14F-4D97-AF65-F5344CB8AC3E}">
+        <p14:creationId xmlns:p14="http://schemas.microsoft.com/office/powerpoint/2010/main" val="3542240592"/>
       </p:ext>
     </p:extLst>
   </p:cSld>
